--- a/pres-source/03-spark.pptx
+++ b/pres-source/03-spark.pptx
@@ -229,7 +229,7 @@
             <a:fld id="{7307762F-A706-E543-A832-3C298AA3103F}" type="datetimeFigureOut">
               <a:rPr lang="en-US" smtClean="0"/>
               <a:pPr/>
-              <a:t>05/12/17</a:t>
+              <a:t>06/12/17</a:t>
             </a:fld>
             <a:endParaRPr lang="en-US" dirty="0"/>
           </a:p>
@@ -803,7 +803,7 @@
             <a:fld id="{875CF0EB-321F-0749-B37A-89BBA859503C}" type="datetimeFigureOut">
               <a:rPr lang="en-US" smtClean="0"/>
               <a:pPr/>
-              <a:t>05/12/17</a:t>
+              <a:t>06/12/17</a:t>
             </a:fld>
             <a:endParaRPr lang="en-US" dirty="0"/>
           </a:p>
@@ -1027,7 +1027,7 @@
             <a:fld id="{875CF0EB-321F-0749-B37A-89BBA859503C}" type="datetimeFigureOut">
               <a:rPr lang="en-US" smtClean="0"/>
               <a:pPr/>
-              <a:t>05/12/17</a:t>
+              <a:t>06/12/17</a:t>
             </a:fld>
             <a:endParaRPr lang="en-US" dirty="0"/>
           </a:p>
@@ -1241,7 +1241,7 @@
             <a:fld id="{875CF0EB-321F-0749-B37A-89BBA859503C}" type="datetimeFigureOut">
               <a:rPr lang="en-US" smtClean="0"/>
               <a:pPr/>
-              <a:t>05/12/17</a:t>
+              <a:t>06/12/17</a:t>
             </a:fld>
             <a:endParaRPr lang="en-US" dirty="0"/>
           </a:p>
@@ -1531,7 +1531,7 @@
             <a:fld id="{875CF0EB-321F-0749-B37A-89BBA859503C}" type="datetimeFigureOut">
               <a:rPr lang="en-US" smtClean="0"/>
               <a:pPr/>
-              <a:t>05/12/17</a:t>
+              <a:t>06/12/17</a:t>
             </a:fld>
             <a:endParaRPr lang="en-US" dirty="0"/>
           </a:p>
@@ -1863,7 +1863,7 @@
             <a:fld id="{875CF0EB-321F-0749-B37A-89BBA859503C}" type="datetimeFigureOut">
               <a:rPr lang="en-US" smtClean="0"/>
               <a:pPr/>
-              <a:t>05/12/17</a:t>
+              <a:t>06/12/17</a:t>
             </a:fld>
             <a:endParaRPr lang="en-US" dirty="0"/>
           </a:p>
@@ -2329,7 +2329,7 @@
             <a:fld id="{875CF0EB-321F-0749-B37A-89BBA859503C}" type="datetimeFigureOut">
               <a:rPr lang="en-US" smtClean="0"/>
               <a:pPr/>
-              <a:t>05/12/17</a:t>
+              <a:t>06/12/17</a:t>
             </a:fld>
             <a:endParaRPr lang="en-US" dirty="0"/>
           </a:p>
@@ -2491,7 +2491,7 @@
             <a:fld id="{875CF0EB-321F-0749-B37A-89BBA859503C}" type="datetimeFigureOut">
               <a:rPr lang="en-US" smtClean="0"/>
               <a:pPr/>
-              <a:t>05/12/17</a:t>
+              <a:t>06/12/17</a:t>
             </a:fld>
             <a:endParaRPr lang="en-US" dirty="0"/>
           </a:p>
@@ -2630,7 +2630,7 @@
             <a:fld id="{875CF0EB-321F-0749-B37A-89BBA859503C}" type="datetimeFigureOut">
               <a:rPr lang="en-US" smtClean="0"/>
               <a:pPr/>
-              <a:t>05/12/17</a:t>
+              <a:t>06/12/17</a:t>
             </a:fld>
             <a:endParaRPr lang="en-US" dirty="0"/>
           </a:p>
@@ -2951,7 +2951,7 @@
             <a:fld id="{875CF0EB-321F-0749-B37A-89BBA859503C}" type="datetimeFigureOut">
               <a:rPr lang="en-US" smtClean="0"/>
               <a:pPr/>
-              <a:t>05/12/17</a:t>
+              <a:t>06/12/17</a:t>
             </a:fld>
             <a:endParaRPr lang="en-US" dirty="0"/>
           </a:p>
@@ -3248,7 +3248,7 @@
             <a:fld id="{875CF0EB-321F-0749-B37A-89BBA859503C}" type="datetimeFigureOut">
               <a:rPr lang="en-US" smtClean="0"/>
               <a:pPr/>
-              <a:t>05/12/17</a:t>
+              <a:t>06/12/17</a:t>
             </a:fld>
             <a:endParaRPr lang="en-US" dirty="0"/>
           </a:p>
